--- a/Presentation.pptx
+++ b/Presentation.pptx
@@ -121,7 +121,7 @@
   </p:defaultTextStyle>
   <p:extLst>
     <p:ext uri="{EFAFB233-063F-42B5-8137-9DF3F51BA10A}">
-      <p15:sldGuideLst xmlns:p15="http://schemas.microsoft.com/office/powerpoint/2012/main" xmlns="">
+      <p15:sldGuideLst xmlns="" xmlns:p15="http://schemas.microsoft.com/office/powerpoint/2012/main">
         <p15:guide id="1" orient="horz" pos="2160">
           <p15:clr>
             <a:srgbClr val="A4A3A4"/>
@@ -325,7 +325,7 @@
             <a:fld id="{8323690F-378E-44EB-825C-C495812ECA12}" type="datetimeFigureOut">
               <a:rPr lang="en-US" smtClean="0"/>
               <a:pPr/>
-              <a:t>4/6/2023</a:t>
+              <a:t>4/7/2023</a:t>
             </a:fld>
             <a:endParaRPr lang="en-US"/>
           </a:p>
@@ -377,7 +377,7 @@
     </p:spTree>
     <p:extLst>
       <p:ext uri="{BB962C8B-B14F-4D97-AF65-F5344CB8AC3E}">
-        <p14:creationId xmlns:p14="http://schemas.microsoft.com/office/powerpoint/2010/main" xmlns="" val="2015355233"/>
+        <p14:creationId xmlns="" xmlns:p14="http://schemas.microsoft.com/office/powerpoint/2010/main" val="2015355233"/>
       </p:ext>
     </p:extLst>
   </p:cSld>
@@ -602,7 +602,7 @@
             <a:fld id="{8323690F-378E-44EB-825C-C495812ECA12}" type="datetimeFigureOut">
               <a:rPr lang="en-US" smtClean="0"/>
               <a:pPr/>
-              <a:t>4/6/2023</a:t>
+              <a:t>4/7/2023</a:t>
             </a:fld>
             <a:endParaRPr lang="en-US"/>
           </a:p>
@@ -654,7 +654,7 @@
     </p:spTree>
     <p:extLst>
       <p:ext uri="{BB962C8B-B14F-4D97-AF65-F5344CB8AC3E}">
-        <p14:creationId xmlns:p14="http://schemas.microsoft.com/office/powerpoint/2010/main" xmlns="" val="1193447596"/>
+        <p14:creationId xmlns="" xmlns:p14="http://schemas.microsoft.com/office/powerpoint/2010/main" val="1193447596"/>
       </p:ext>
     </p:extLst>
   </p:cSld>
@@ -798,7 +798,7 @@
             <a:fld id="{8323690F-378E-44EB-825C-C495812ECA12}" type="datetimeFigureOut">
               <a:rPr lang="en-US" smtClean="0"/>
               <a:pPr/>
-              <a:t>4/6/2023</a:t>
+              <a:t>4/7/2023</a:t>
             </a:fld>
             <a:endParaRPr lang="en-US"/>
           </a:p>
@@ -850,7 +850,7 @@
     </p:spTree>
     <p:extLst>
       <p:ext uri="{BB962C8B-B14F-4D97-AF65-F5344CB8AC3E}">
-        <p14:creationId xmlns:p14="http://schemas.microsoft.com/office/powerpoint/2010/main" xmlns="" val="4034728797"/>
+        <p14:creationId xmlns="" xmlns:p14="http://schemas.microsoft.com/office/powerpoint/2010/main" val="4034728797"/>
       </p:ext>
     </p:extLst>
   </p:cSld>
@@ -1073,7 +1073,7 @@
             <a:fld id="{8323690F-378E-44EB-825C-C495812ECA12}" type="datetimeFigureOut">
               <a:rPr lang="en-US" smtClean="0"/>
               <a:pPr/>
-              <a:t>4/6/2023</a:t>
+              <a:t>4/7/2023</a:t>
             </a:fld>
             <a:endParaRPr lang="en-US"/>
           </a:p>
@@ -1219,7 +1219,7 @@
     </p:spTree>
     <p:extLst>
       <p:ext uri="{BB962C8B-B14F-4D97-AF65-F5344CB8AC3E}">
-        <p14:creationId xmlns:p14="http://schemas.microsoft.com/office/powerpoint/2010/main" xmlns="" val="2262741383"/>
+        <p14:creationId xmlns="" xmlns:p14="http://schemas.microsoft.com/office/powerpoint/2010/main" val="2262741383"/>
       </p:ext>
     </p:extLst>
   </p:cSld>
@@ -1416,7 +1416,7 @@
             <a:fld id="{8323690F-378E-44EB-825C-C495812ECA12}" type="datetimeFigureOut">
               <a:rPr lang="en-US" smtClean="0"/>
               <a:pPr/>
-              <a:t>4/6/2023</a:t>
+              <a:t>4/7/2023</a:t>
             </a:fld>
             <a:endParaRPr lang="en-US"/>
           </a:p>
@@ -1468,7 +1468,7 @@
     </p:spTree>
     <p:extLst>
       <p:ext uri="{BB962C8B-B14F-4D97-AF65-F5344CB8AC3E}">
-        <p14:creationId xmlns:p14="http://schemas.microsoft.com/office/powerpoint/2010/main" xmlns="" val="2686009039"/>
+        <p14:creationId xmlns="" xmlns:p14="http://schemas.microsoft.com/office/powerpoint/2010/main" val="2686009039"/>
       </p:ext>
     </p:extLst>
   </p:cSld>
@@ -2041,7 +2041,7 @@
             <a:fld id="{8323690F-378E-44EB-825C-C495812ECA12}" type="datetimeFigureOut">
               <a:rPr lang="en-US" smtClean="0"/>
               <a:pPr/>
-              <a:t>4/6/2023</a:t>
+              <a:t>4/7/2023</a:t>
             </a:fld>
             <a:endParaRPr lang="en-US"/>
           </a:p>
@@ -2093,7 +2093,7 @@
     </p:spTree>
     <p:extLst>
       <p:ext uri="{BB962C8B-B14F-4D97-AF65-F5344CB8AC3E}">
-        <p14:creationId xmlns:p14="http://schemas.microsoft.com/office/powerpoint/2010/main" xmlns="" val="90773290"/>
+        <p14:creationId xmlns="" xmlns:p14="http://schemas.microsoft.com/office/powerpoint/2010/main" val="90773290"/>
       </p:ext>
     </p:extLst>
   </p:cSld>
@@ -2903,7 +2903,7 @@
             <a:fld id="{8323690F-378E-44EB-825C-C495812ECA12}" type="datetimeFigureOut">
               <a:rPr lang="en-US" smtClean="0"/>
               <a:pPr/>
-              <a:t>4/6/2023</a:t>
+              <a:t>4/7/2023</a:t>
             </a:fld>
             <a:endParaRPr lang="en-US"/>
           </a:p>
@@ -2955,7 +2955,7 @@
     </p:spTree>
     <p:extLst>
       <p:ext uri="{BB962C8B-B14F-4D97-AF65-F5344CB8AC3E}">
-        <p14:creationId xmlns:p14="http://schemas.microsoft.com/office/powerpoint/2010/main" xmlns="" val="2777694215"/>
+        <p14:creationId xmlns="" xmlns:p14="http://schemas.microsoft.com/office/powerpoint/2010/main" val="2777694215"/>
       </p:ext>
     </p:extLst>
   </p:cSld>
@@ -3075,7 +3075,7 @@
             <a:fld id="{8323690F-378E-44EB-825C-C495812ECA12}" type="datetimeFigureOut">
               <a:rPr lang="en-US" smtClean="0"/>
               <a:pPr/>
-              <a:t>4/6/2023</a:t>
+              <a:t>4/7/2023</a:t>
             </a:fld>
             <a:endParaRPr lang="en-US"/>
           </a:p>
@@ -3127,7 +3127,7 @@
     </p:spTree>
     <p:extLst>
       <p:ext uri="{BB962C8B-B14F-4D97-AF65-F5344CB8AC3E}">
-        <p14:creationId xmlns:p14="http://schemas.microsoft.com/office/powerpoint/2010/main" xmlns="" val="1799062120"/>
+        <p14:creationId xmlns="" xmlns:p14="http://schemas.microsoft.com/office/powerpoint/2010/main" val="1799062120"/>
       </p:ext>
     </p:extLst>
   </p:cSld>
@@ -3257,7 +3257,7 @@
             <a:fld id="{8323690F-378E-44EB-825C-C495812ECA12}" type="datetimeFigureOut">
               <a:rPr lang="en-US" smtClean="0"/>
               <a:pPr/>
-              <a:t>4/6/2023</a:t>
+              <a:t>4/7/2023</a:t>
             </a:fld>
             <a:endParaRPr lang="en-US"/>
           </a:p>
@@ -3309,7 +3309,7 @@
     </p:spTree>
     <p:extLst>
       <p:ext uri="{BB962C8B-B14F-4D97-AF65-F5344CB8AC3E}">
-        <p14:creationId xmlns:p14="http://schemas.microsoft.com/office/powerpoint/2010/main" xmlns="" val="4120831098"/>
+        <p14:creationId xmlns="" xmlns:p14="http://schemas.microsoft.com/office/powerpoint/2010/main" val="4120831098"/>
       </p:ext>
     </p:extLst>
   </p:cSld>
@@ -3429,7 +3429,7 @@
             <a:fld id="{8323690F-378E-44EB-825C-C495812ECA12}" type="datetimeFigureOut">
               <a:rPr lang="en-US" smtClean="0"/>
               <a:pPr/>
-              <a:t>4/6/2023</a:t>
+              <a:t>4/7/2023</a:t>
             </a:fld>
             <a:endParaRPr lang="en-US"/>
           </a:p>
@@ -3481,7 +3481,7 @@
     </p:spTree>
     <p:extLst>
       <p:ext uri="{BB962C8B-B14F-4D97-AF65-F5344CB8AC3E}">
-        <p14:creationId xmlns:p14="http://schemas.microsoft.com/office/powerpoint/2010/main" xmlns="" val="3771933681"/>
+        <p14:creationId xmlns="" xmlns:p14="http://schemas.microsoft.com/office/powerpoint/2010/main" val="3771933681"/>
       </p:ext>
     </p:extLst>
   </p:cSld>
@@ -3678,7 +3678,7 @@
             <a:fld id="{8323690F-378E-44EB-825C-C495812ECA12}" type="datetimeFigureOut">
               <a:rPr lang="en-US" smtClean="0"/>
               <a:pPr/>
-              <a:t>4/6/2023</a:t>
+              <a:t>4/7/2023</a:t>
             </a:fld>
             <a:endParaRPr lang="en-US"/>
           </a:p>
@@ -3730,7 +3730,7 @@
     </p:spTree>
     <p:extLst>
       <p:ext uri="{BB962C8B-B14F-4D97-AF65-F5344CB8AC3E}">
-        <p14:creationId xmlns:p14="http://schemas.microsoft.com/office/powerpoint/2010/main" xmlns="" val="1380574954"/>
+        <p14:creationId xmlns="" xmlns:p14="http://schemas.microsoft.com/office/powerpoint/2010/main" val="1380574954"/>
       </p:ext>
     </p:extLst>
   </p:cSld>
@@ -3972,7 +3972,7 @@
             <a:fld id="{8323690F-378E-44EB-825C-C495812ECA12}" type="datetimeFigureOut">
               <a:rPr lang="en-US" smtClean="0"/>
               <a:pPr/>
-              <a:t>4/6/2023</a:t>
+              <a:t>4/7/2023</a:t>
             </a:fld>
             <a:endParaRPr lang="en-US"/>
           </a:p>
@@ -4024,7 +4024,7 @@
     </p:spTree>
     <p:extLst>
       <p:ext uri="{BB962C8B-B14F-4D97-AF65-F5344CB8AC3E}">
-        <p14:creationId xmlns:p14="http://schemas.microsoft.com/office/powerpoint/2010/main" xmlns="" val="2249199857"/>
+        <p14:creationId xmlns="" xmlns:p14="http://schemas.microsoft.com/office/powerpoint/2010/main" val="2249199857"/>
       </p:ext>
     </p:extLst>
   </p:cSld>
@@ -4418,7 +4418,7 @@
             <a:fld id="{8323690F-378E-44EB-825C-C495812ECA12}" type="datetimeFigureOut">
               <a:rPr lang="en-US" smtClean="0"/>
               <a:pPr/>
-              <a:t>4/6/2023</a:t>
+              <a:t>4/7/2023</a:t>
             </a:fld>
             <a:endParaRPr lang="en-US"/>
           </a:p>
@@ -4470,7 +4470,7 @@
     </p:spTree>
     <p:extLst>
       <p:ext uri="{BB962C8B-B14F-4D97-AF65-F5344CB8AC3E}">
-        <p14:creationId xmlns:p14="http://schemas.microsoft.com/office/powerpoint/2010/main" xmlns="" val="195963618"/>
+        <p14:creationId xmlns="" xmlns:p14="http://schemas.microsoft.com/office/powerpoint/2010/main" val="195963618"/>
       </p:ext>
     </p:extLst>
   </p:cSld>
@@ -4538,7 +4538,7 @@
             <a:fld id="{8323690F-378E-44EB-825C-C495812ECA12}" type="datetimeFigureOut">
               <a:rPr lang="en-US" smtClean="0"/>
               <a:pPr/>
-              <a:t>4/6/2023</a:t>
+              <a:t>4/7/2023</a:t>
             </a:fld>
             <a:endParaRPr lang="en-US"/>
           </a:p>
@@ -4590,7 +4590,7 @@
     </p:spTree>
     <p:extLst>
       <p:ext uri="{BB962C8B-B14F-4D97-AF65-F5344CB8AC3E}">
-        <p14:creationId xmlns:p14="http://schemas.microsoft.com/office/powerpoint/2010/main" xmlns="" val="2917697163"/>
+        <p14:creationId xmlns="" xmlns:p14="http://schemas.microsoft.com/office/powerpoint/2010/main" val="2917697163"/>
       </p:ext>
     </p:extLst>
   </p:cSld>
@@ -4635,7 +4635,7 @@
             <a:fld id="{8323690F-378E-44EB-825C-C495812ECA12}" type="datetimeFigureOut">
               <a:rPr lang="en-US" smtClean="0"/>
               <a:pPr/>
-              <a:t>4/6/2023</a:t>
+              <a:t>4/7/2023</a:t>
             </a:fld>
             <a:endParaRPr lang="en-US"/>
           </a:p>
@@ -4687,7 +4687,7 @@
     </p:spTree>
     <p:extLst>
       <p:ext uri="{BB962C8B-B14F-4D97-AF65-F5344CB8AC3E}">
-        <p14:creationId xmlns:p14="http://schemas.microsoft.com/office/powerpoint/2010/main" xmlns="" val="791206281"/>
+        <p14:creationId xmlns="" xmlns:p14="http://schemas.microsoft.com/office/powerpoint/2010/main" val="791206281"/>
       </p:ext>
     </p:extLst>
   </p:cSld>
@@ -4916,7 +4916,7 @@
             <a:fld id="{8323690F-378E-44EB-825C-C495812ECA12}" type="datetimeFigureOut">
               <a:rPr lang="en-US" smtClean="0"/>
               <a:pPr/>
-              <a:t>4/6/2023</a:t>
+              <a:t>4/7/2023</a:t>
             </a:fld>
             <a:endParaRPr lang="en-US"/>
           </a:p>
@@ -4968,7 +4968,7 @@
     </p:spTree>
     <p:extLst>
       <p:ext uri="{BB962C8B-B14F-4D97-AF65-F5344CB8AC3E}">
-        <p14:creationId xmlns:p14="http://schemas.microsoft.com/office/powerpoint/2010/main" xmlns="" val="2420090671"/>
+        <p14:creationId xmlns="" xmlns:p14="http://schemas.microsoft.com/office/powerpoint/2010/main" val="2420090671"/>
       </p:ext>
     </p:extLst>
   </p:cSld>
@@ -5193,7 +5193,7 @@
             <a:fld id="{8323690F-378E-44EB-825C-C495812ECA12}" type="datetimeFigureOut">
               <a:rPr lang="en-US" smtClean="0"/>
               <a:pPr/>
-              <a:t>4/6/2023</a:t>
+              <a:t>4/7/2023</a:t>
             </a:fld>
             <a:endParaRPr lang="en-US"/>
           </a:p>
@@ -5245,7 +5245,7 @@
     </p:spTree>
     <p:extLst>
       <p:ext uri="{BB962C8B-B14F-4D97-AF65-F5344CB8AC3E}">
-        <p14:creationId xmlns:p14="http://schemas.microsoft.com/office/powerpoint/2010/main" xmlns="" val="2721407375"/>
+        <p14:creationId xmlns="" xmlns:p14="http://schemas.microsoft.com/office/powerpoint/2010/main" val="2721407375"/>
       </p:ext>
     </p:extLst>
   </p:cSld>
@@ -5770,7 +5770,7 @@
             <a:fld id="{8323690F-378E-44EB-825C-C495812ECA12}" type="datetimeFigureOut">
               <a:rPr lang="en-US" smtClean="0"/>
               <a:pPr/>
-              <a:t>4/6/2023</a:t>
+              <a:t>4/7/2023</a:t>
             </a:fld>
             <a:endParaRPr lang="en-US"/>
           </a:p>
@@ -5859,7 +5859,7 @@
     </p:spTree>
     <p:extLst>
       <p:ext uri="{BB962C8B-B14F-4D97-AF65-F5344CB8AC3E}">
-        <p14:creationId xmlns:p14="http://schemas.microsoft.com/office/powerpoint/2010/main" xmlns="" val="4067213934"/>
+        <p14:creationId xmlns="" xmlns:p14="http://schemas.microsoft.com/office/powerpoint/2010/main" val="4067213934"/>
       </p:ext>
     </p:extLst>
   </p:cSld>
@@ -6311,8 +6311,8 @@
         </p:nvSpPr>
         <p:spPr>
           <a:xfrm>
-            <a:off x="683568" y="1412776"/>
-            <a:ext cx="6711654" cy="4195481"/>
+            <a:off x="785786" y="357166"/>
+            <a:ext cx="6711654" cy="5286412"/>
           </a:xfrm>
         </p:spPr>
         <p:txBody>
@@ -6322,17 +6322,50 @@
           <a:lstStyle/>
           <a:p>
             <a:r>
-              <a:rPr lang="en-US" sz="2400" b="1" dirty="0" smtClean="0">
+              <a:rPr lang="en-US" b="1" dirty="0" smtClean="0">
                 <a:solidFill>
                   <a:schemeClr val="bg1"/>
                 </a:solidFill>
               </a:rPr>
-              <a:t>Introduction to Direct File Organization</a:t>
-            </a:r>
-          </a:p>
-          <a:p>
-            <a:r>
-              <a:rPr lang="en-US" sz="2400" b="1" dirty="0" smtClean="0">
+              <a:t>Introduction to Direct File </a:t>
+            </a:r>
+            <a:r>
+              <a:rPr lang="en-US" b="1" dirty="0" smtClean="0">
+                <a:solidFill>
+                  <a:schemeClr val="bg1"/>
+                </a:solidFill>
+              </a:rPr>
+              <a:t>Organization</a:t>
+            </a:r>
+          </a:p>
+          <a:p>
+            <a:r>
+              <a:rPr lang="en-US" b="1" dirty="0" smtClean="0">
+                <a:solidFill>
+                  <a:schemeClr val="bg1"/>
+                </a:solidFill>
+              </a:rPr>
+              <a:t>Working of Direct file organisation</a:t>
+            </a:r>
+          </a:p>
+          <a:p>
+            <a:r>
+              <a:rPr lang="en-US" b="1" dirty="0" smtClean="0">
+                <a:solidFill>
+                  <a:schemeClr val="bg1"/>
+                </a:solidFill>
+              </a:rPr>
+              <a:t>Operations on Direct file organisation</a:t>
+            </a:r>
+            <a:endParaRPr lang="en-US" b="1" dirty="0" smtClean="0">
+              <a:solidFill>
+                <a:schemeClr val="bg1"/>
+              </a:solidFill>
+            </a:endParaRPr>
+          </a:p>
+          <a:p>
+            <a:r>
+              <a:rPr lang="en-US" b="1" dirty="0" smtClean="0">
                 <a:solidFill>
                   <a:schemeClr val="bg1"/>
                 </a:solidFill>
@@ -6342,7 +6375,7 @@
           </a:p>
           <a:p>
             <a:r>
-              <a:rPr lang="en-US" sz="2400" b="1" dirty="0" smtClean="0">
+              <a:rPr lang="en-US" b="1" dirty="0" smtClean="0">
                 <a:solidFill>
                   <a:schemeClr val="bg1"/>
                 </a:solidFill>
@@ -6352,17 +6385,82 @@
           </a:p>
           <a:p>
             <a:r>
-              <a:rPr lang="en-US" sz="2400" b="1" dirty="0" smtClean="0">
+              <a:rPr lang="en-US" b="1" dirty="0" smtClean="0">
                 <a:solidFill>
                   <a:schemeClr val="bg1"/>
                 </a:solidFill>
               </a:rPr>
-              <a:t>Introduction to Indexed Sequential File Organization</a:t>
-            </a:r>
-          </a:p>
-          <a:p>
-            <a:r>
-              <a:rPr lang="en-US" sz="2400" b="1" dirty="0" smtClean="0">
+              <a:t>Introduction to Indexed Sequential File </a:t>
+            </a:r>
+            <a:r>
+              <a:rPr lang="en-US" b="1" dirty="0" smtClean="0">
+                <a:solidFill>
+                  <a:schemeClr val="bg1"/>
+                </a:solidFill>
+              </a:rPr>
+              <a:t>Organization</a:t>
+            </a:r>
+          </a:p>
+          <a:p>
+            <a:r>
+              <a:rPr lang="en-US" b="1" dirty="0" smtClean="0">
+                <a:solidFill>
+                  <a:schemeClr val="bg1"/>
+                </a:solidFill>
+              </a:rPr>
+              <a:t>Working </a:t>
+            </a:r>
+            <a:r>
+              <a:rPr lang="en-US" b="1" dirty="0" smtClean="0">
+                <a:solidFill>
+                  <a:schemeClr val="bg1"/>
+                </a:solidFill>
+              </a:rPr>
+              <a:t>of Indexed </a:t>
+            </a:r>
+            <a:r>
+              <a:rPr lang="en-US" b="1" dirty="0" smtClean="0">
+                <a:solidFill>
+                  <a:schemeClr val="bg1"/>
+                </a:solidFill>
+              </a:rPr>
+              <a:t>Sequential File </a:t>
+            </a:r>
+            <a:r>
+              <a:rPr lang="en-US" b="1" dirty="0" smtClean="0">
+                <a:solidFill>
+                  <a:schemeClr val="bg1"/>
+                </a:solidFill>
+              </a:rPr>
+              <a:t>Organization</a:t>
+            </a:r>
+          </a:p>
+          <a:p>
+            <a:r>
+              <a:rPr lang="en-US" b="1" dirty="0" smtClean="0">
+                <a:solidFill>
+                  <a:schemeClr val="bg1"/>
+                </a:solidFill>
+              </a:rPr>
+              <a:t>Operations on Sequential File </a:t>
+            </a:r>
+            <a:r>
+              <a:rPr lang="en-US" b="1" dirty="0" smtClean="0">
+                <a:solidFill>
+                  <a:schemeClr val="bg1"/>
+                </a:solidFill>
+              </a:rPr>
+              <a:t>Organization</a:t>
+            </a:r>
+            <a:endParaRPr lang="en-US" b="1" dirty="0" smtClean="0">
+              <a:solidFill>
+                <a:schemeClr val="bg1"/>
+              </a:solidFill>
+            </a:endParaRPr>
+          </a:p>
+          <a:p>
+            <a:r>
+              <a:rPr lang="en-US" b="1" dirty="0" smtClean="0">
                 <a:solidFill>
                   <a:schemeClr val="bg1"/>
                 </a:solidFill>
@@ -6372,7 +6470,7 @@
           </a:p>
           <a:p>
             <a:r>
-              <a:rPr lang="en-US" sz="2400" b="1" dirty="0" smtClean="0">
+              <a:rPr lang="en-US" b="1" dirty="0" smtClean="0">
                 <a:solidFill>
                   <a:schemeClr val="bg1"/>
                 </a:solidFill>
@@ -6382,7 +6480,7 @@
           </a:p>
           <a:p>
             <a:r>
-              <a:rPr lang="en-US" sz="2400" b="1" dirty="0" smtClean="0">
+              <a:rPr lang="en-US" b="1" dirty="0" smtClean="0">
                 <a:solidFill>
                   <a:schemeClr val="bg1"/>
                 </a:solidFill>
@@ -7139,27 +7237,7 @@
                   </a:schemeClr>
                 </a:solidFill>
               </a:rPr>
-              <a:t>The </a:t>
-            </a:r>
-            <a:r>
-              <a:rPr lang="en-US" dirty="0" smtClean="0">
-                <a:solidFill>
-                  <a:schemeClr val="bg2">
-                    <a:lumMod val="50000"/>
-                  </a:schemeClr>
-                </a:solidFill>
-              </a:rPr>
-              <a:t>size of </a:t>
-            </a:r>
-            <a:r>
-              <a:rPr lang="en-US" dirty="0" smtClean="0">
-                <a:solidFill>
-                  <a:schemeClr val="bg2">
-                    <a:lumMod val="50000"/>
-                  </a:schemeClr>
-                </a:solidFill>
-              </a:rPr>
-              <a:t>data, </a:t>
+              <a:t>The size of data, </a:t>
             </a:r>
           </a:p>
           <a:p>
@@ -8683,7 +8761,7 @@
           <p:nvPr>
             <p:extLst>
               <p:ext uri="{D42A27DB-BD31-4B8C-83A1-F6EECF244321}">
-                <p14:modId xmlns:p14="http://schemas.microsoft.com/office/powerpoint/2010/main" xmlns="" val="3587572284"/>
+                <p14:modId xmlns="" xmlns:p14="http://schemas.microsoft.com/office/powerpoint/2010/main" val="3587572284"/>
               </p:ext>
             </p:extLst>
           </p:nvPr>
@@ -8702,14 +8780,14 @@
                 <a:gridCol w="1000132">
                   <a:extLst>
                     <a:ext uri="{9D8B030D-6E8A-4147-A177-3AD203B41FA5}">
-                      <a16:colId xmlns:a16="http://schemas.microsoft.com/office/drawing/2014/main" xmlns="" val="20000"/>
+                      <a16:colId xmlns="" xmlns:a16="http://schemas.microsoft.com/office/drawing/2014/main" val="20000"/>
                     </a:ext>
                   </a:extLst>
                 </a:gridCol>
                 <a:gridCol w="1000132">
                   <a:extLst>
                     <a:ext uri="{9D8B030D-6E8A-4147-A177-3AD203B41FA5}">
-                      <a16:colId xmlns:a16="http://schemas.microsoft.com/office/drawing/2014/main" xmlns="" val="20001"/>
+                      <a16:colId xmlns="" xmlns:a16="http://schemas.microsoft.com/office/drawing/2014/main" val="20001"/>
                     </a:ext>
                   </a:extLst>
                 </a:gridCol>
@@ -8750,7 +8828,7 @@
                 </a:tc>
                 <a:extLst>
                   <a:ext uri="{0D108BD9-81ED-4DB2-BD59-A6C34878D82A}">
-                    <a16:rowId xmlns:a16="http://schemas.microsoft.com/office/drawing/2014/main" xmlns="" val="10000"/>
+                    <a16:rowId xmlns="" xmlns:a16="http://schemas.microsoft.com/office/drawing/2014/main" val="10000"/>
                   </a:ext>
                 </a:extLst>
               </a:tr>
@@ -8786,7 +8864,7 @@
                 </a:tc>
                 <a:extLst>
                   <a:ext uri="{0D108BD9-81ED-4DB2-BD59-A6C34878D82A}">
-                    <a16:rowId xmlns:a16="http://schemas.microsoft.com/office/drawing/2014/main" xmlns="" val="10001"/>
+                    <a16:rowId xmlns="" xmlns:a16="http://schemas.microsoft.com/office/drawing/2014/main" val="10001"/>
                   </a:ext>
                 </a:extLst>
               </a:tr>
@@ -8822,7 +8900,7 @@
                 </a:tc>
                 <a:extLst>
                   <a:ext uri="{0D108BD9-81ED-4DB2-BD59-A6C34878D82A}">
-                    <a16:rowId xmlns:a16="http://schemas.microsoft.com/office/drawing/2014/main" xmlns="" val="10002"/>
+                    <a16:rowId xmlns="" xmlns:a16="http://schemas.microsoft.com/office/drawing/2014/main" val="10002"/>
                   </a:ext>
                 </a:extLst>
               </a:tr>
@@ -8858,7 +8936,7 @@
                 </a:tc>
                 <a:extLst>
                   <a:ext uri="{0D108BD9-81ED-4DB2-BD59-A6C34878D82A}">
-                    <a16:rowId xmlns:a16="http://schemas.microsoft.com/office/drawing/2014/main" xmlns="" val="10003"/>
+                    <a16:rowId xmlns="" xmlns:a16="http://schemas.microsoft.com/office/drawing/2014/main" val="10003"/>
                   </a:ext>
                 </a:extLst>
               </a:tr>
@@ -8905,7 +8983,7 @@
           <p:nvPr>
             <p:extLst>
               <p:ext uri="{D42A27DB-BD31-4B8C-83A1-F6EECF244321}">
-                <p14:modId xmlns:p14="http://schemas.microsoft.com/office/powerpoint/2010/main" xmlns="" val="2400175300"/>
+                <p14:modId xmlns="" xmlns:p14="http://schemas.microsoft.com/office/powerpoint/2010/main" val="2400175300"/>
               </p:ext>
             </p:extLst>
           </p:nvPr>
@@ -8924,21 +9002,21 @@
                 <a:gridCol w="1214446">
                   <a:extLst>
                     <a:ext uri="{9D8B030D-6E8A-4147-A177-3AD203B41FA5}">
-                      <a16:colId xmlns:a16="http://schemas.microsoft.com/office/drawing/2014/main" xmlns="" val="20000"/>
+                      <a16:colId xmlns="" xmlns:a16="http://schemas.microsoft.com/office/drawing/2014/main" val="20000"/>
                     </a:ext>
                   </a:extLst>
                 </a:gridCol>
                 <a:gridCol w="1214446">
                   <a:extLst>
                     <a:ext uri="{9D8B030D-6E8A-4147-A177-3AD203B41FA5}">
-                      <a16:colId xmlns:a16="http://schemas.microsoft.com/office/drawing/2014/main" xmlns="" val="20001"/>
+                      <a16:colId xmlns="" xmlns:a16="http://schemas.microsoft.com/office/drawing/2014/main" val="20001"/>
                     </a:ext>
                   </a:extLst>
                 </a:gridCol>
                 <a:gridCol w="1214446">
                   <a:extLst>
                     <a:ext uri="{9D8B030D-6E8A-4147-A177-3AD203B41FA5}">
-                      <a16:colId xmlns:a16="http://schemas.microsoft.com/office/drawing/2014/main" xmlns="" val="20002"/>
+                      <a16:colId xmlns="" xmlns:a16="http://schemas.microsoft.com/office/drawing/2014/main" val="20002"/>
                     </a:ext>
                   </a:extLst>
                 </a:gridCol>
@@ -8991,7 +9069,7 @@
                 </a:tc>
                 <a:extLst>
                   <a:ext uri="{0D108BD9-81ED-4DB2-BD59-A6C34878D82A}">
-                    <a16:rowId xmlns:a16="http://schemas.microsoft.com/office/drawing/2014/main" xmlns="" val="10000"/>
+                    <a16:rowId xmlns="" xmlns:a16="http://schemas.microsoft.com/office/drawing/2014/main" val="10000"/>
                   </a:ext>
                 </a:extLst>
               </a:tr>
@@ -9041,7 +9119,7 @@
                 </a:tc>
                 <a:extLst>
                   <a:ext uri="{0D108BD9-81ED-4DB2-BD59-A6C34878D82A}">
-                    <a16:rowId xmlns:a16="http://schemas.microsoft.com/office/drawing/2014/main" xmlns="" val="10001"/>
+                    <a16:rowId xmlns="" xmlns:a16="http://schemas.microsoft.com/office/drawing/2014/main" val="10001"/>
                   </a:ext>
                 </a:extLst>
               </a:tr>
@@ -9090,7 +9168,7 @@
                 </a:tc>
                 <a:extLst>
                   <a:ext uri="{0D108BD9-81ED-4DB2-BD59-A6C34878D82A}">
-                    <a16:rowId xmlns:a16="http://schemas.microsoft.com/office/drawing/2014/main" xmlns="" val="10002"/>
+                    <a16:rowId xmlns="" xmlns:a16="http://schemas.microsoft.com/office/drawing/2014/main" val="10002"/>
                   </a:ext>
                 </a:extLst>
               </a:tr>
@@ -9138,7 +9216,7 @@
                 </a:tc>
                 <a:extLst>
                   <a:ext uri="{0D108BD9-81ED-4DB2-BD59-A6C34878D82A}">
-                    <a16:rowId xmlns:a16="http://schemas.microsoft.com/office/drawing/2014/main" xmlns="" val="10003"/>
+                    <a16:rowId xmlns="" xmlns:a16="http://schemas.microsoft.com/office/drawing/2014/main" val="10003"/>
                   </a:ext>
                 </a:extLst>
               </a:tr>
@@ -9191,7 +9269,7 @@
                 </a:tc>
                 <a:extLst>
                   <a:ext uri="{0D108BD9-81ED-4DB2-BD59-A6C34878D82A}">
-                    <a16:rowId xmlns:a16="http://schemas.microsoft.com/office/drawing/2014/main" xmlns="" val="10004"/>
+                    <a16:rowId xmlns="" xmlns:a16="http://schemas.microsoft.com/office/drawing/2014/main" val="10004"/>
                   </a:ext>
                 </a:extLst>
               </a:tr>
@@ -9240,7 +9318,7 @@
                 </a:tc>
                 <a:extLst>
                   <a:ext uri="{0D108BD9-81ED-4DB2-BD59-A6C34878D82A}">
-                    <a16:rowId xmlns:a16="http://schemas.microsoft.com/office/drawing/2014/main" xmlns="" val="10005"/>
+                    <a16:rowId xmlns="" xmlns:a16="http://schemas.microsoft.com/office/drawing/2014/main" val="10005"/>
                   </a:ext>
                 </a:extLst>
               </a:tr>
@@ -9289,7 +9367,7 @@
                 </a:tc>
                 <a:extLst>
                   <a:ext uri="{0D108BD9-81ED-4DB2-BD59-A6C34878D82A}">
-                    <a16:rowId xmlns:a16="http://schemas.microsoft.com/office/drawing/2014/main" xmlns="" val="10006"/>
+                    <a16:rowId xmlns="" xmlns:a16="http://schemas.microsoft.com/office/drawing/2014/main" val="10006"/>
                   </a:ext>
                 </a:extLst>
               </a:tr>
@@ -9338,7 +9416,7 @@
                 </a:tc>
                 <a:extLst>
                   <a:ext uri="{0D108BD9-81ED-4DB2-BD59-A6C34878D82A}">
-                    <a16:rowId xmlns:a16="http://schemas.microsoft.com/office/drawing/2014/main" xmlns="" val="10007"/>
+                    <a16:rowId xmlns="" xmlns:a16="http://schemas.microsoft.com/office/drawing/2014/main" val="10007"/>
                   </a:ext>
                 </a:extLst>
               </a:tr>
@@ -9901,7 +9979,7 @@
   <a:extraClrSchemeLst/>
   <a:extLst>
     <a:ext uri="{05A4C25C-085E-4340-85A3-A5531E510DB2}">
-      <thm15:themeFamily xmlns:thm15="http://schemas.microsoft.com/office/thememl/2012/main" xmlns="" name="Ion" id="{B8441ADB-2E43-4AF7-B97A-BD870242C6A8}" vid="{292E63A9-BB86-4E3D-B92A-7223C6510D2E}"/>
+      <thm15:themeFamily xmlns="" xmlns:thm15="http://schemas.microsoft.com/office/thememl/2012/main" name="Ion" id="{B8441ADB-2E43-4AF7-B97A-BD870242C6A8}" vid="{292E63A9-BB86-4E3D-B92A-7223C6510D2E}"/>
     </a:ext>
   </a:extLst>
 </a:theme>

--- a/Presentation.pptx
+++ b/Presentation.pptx
@@ -6317,7 +6317,7 @@
         </p:spPr>
         <p:txBody>
           <a:bodyPr>
-            <a:normAutofit lnSpcReduction="10000"/>
+            <a:normAutofit fontScale="85000" lnSpcReduction="10000"/>
           </a:bodyPr>
           <a:lstStyle/>
           <a:p>
@@ -6475,25 +6475,99 @@
                   <a:schemeClr val="bg1"/>
                 </a:solidFill>
               </a:rPr>
-              <a:t>Disadvantages of Indexed Sequential File Organization</a:t>
-            </a:r>
-          </a:p>
-          <a:p>
+              <a:t>Disadvantages of Indexed Sequential File </a:t>
+            </a:r>
             <a:r>
               <a:rPr lang="en-US" b="1" dirty="0" smtClean="0">
                 <a:solidFill>
                   <a:schemeClr val="bg1"/>
                 </a:solidFill>
-                <a:effectLst>
-                  <a:outerShdw blurRad="38100" dist="38100" dir="2700000" algn="tl">
-                    <a:srgbClr val="000000">
-                      <a:alpha val="43137"/>
-                    </a:srgbClr>
-                  </a:outerShdw>
-                </a:effectLst>
-              </a:rPr>
-              <a:t>Conclusion</a:t>
-            </a:r>
+              </a:rPr>
+              <a:t>Organization</a:t>
+            </a:r>
+          </a:p>
+          <a:p>
+            <a:r>
+              <a:rPr lang="en-US" b="1" dirty="0" smtClean="0">
+                <a:solidFill>
+                  <a:schemeClr val="bg1"/>
+                </a:solidFill>
+              </a:rPr>
+              <a:t>Conclusion Area :-</a:t>
+            </a:r>
+            <a:endParaRPr lang="en-US" b="1" dirty="0" smtClean="0">
+              <a:solidFill>
+                <a:schemeClr val="bg1"/>
+              </a:solidFill>
+            </a:endParaRPr>
+          </a:p>
+          <a:p>
+            <a:pPr lvl="1"/>
+            <a:r>
+              <a:rPr lang="en-US" b="1" dirty="0" smtClean="0">
+                <a:solidFill>
+                  <a:schemeClr val="bg1"/>
+                </a:solidFill>
+              </a:rPr>
+              <a:t>A better choice between direct and indexed file </a:t>
+            </a:r>
+            <a:r>
+              <a:rPr lang="en-US" b="1" dirty="0" smtClean="0">
+                <a:solidFill>
+                  <a:schemeClr val="bg1"/>
+                </a:solidFill>
+              </a:rPr>
+              <a:t>organization</a:t>
+            </a:r>
+          </a:p>
+          <a:p>
+            <a:pPr lvl="1"/>
+            <a:r>
+              <a:rPr lang="en-US" b="1" dirty="0" smtClean="0">
+                <a:solidFill>
+                  <a:schemeClr val="bg1"/>
+                </a:solidFill>
+              </a:rPr>
+              <a:t>Why to chose direct file </a:t>
+            </a:r>
+            <a:r>
+              <a:rPr lang="en-US" b="1" dirty="0" smtClean="0">
+                <a:solidFill>
+                  <a:schemeClr val="bg1"/>
+                </a:solidFill>
+              </a:rPr>
+              <a:t>organization</a:t>
+            </a:r>
+          </a:p>
+          <a:p>
+            <a:pPr lvl="1"/>
+            <a:r>
+              <a:rPr lang="en-US" b="1" dirty="0" smtClean="0">
+                <a:solidFill>
+                  <a:schemeClr val="bg1"/>
+                </a:solidFill>
+              </a:rPr>
+              <a:t>Why to chose indexed file organization</a:t>
+            </a:r>
+            <a:endParaRPr lang="en-US" b="1" dirty="0" smtClean="0">
+              <a:solidFill>
+                <a:schemeClr val="bg1"/>
+              </a:solidFill>
+            </a:endParaRPr>
+          </a:p>
+          <a:p>
+            <a:endParaRPr lang="en-US" b="1" dirty="0" smtClean="0">
+              <a:solidFill>
+                <a:schemeClr val="bg1"/>
+              </a:solidFill>
+              <a:effectLst>
+                <a:outerShdw blurRad="38100" dist="38100" dir="2700000" algn="tl">
+                  <a:srgbClr val="000000">
+                    <a:alpha val="43137"/>
+                  </a:srgbClr>
+                </a:outerShdw>
+              </a:effectLst>
+            </a:endParaRPr>
           </a:p>
           <a:p>
             <a:endParaRPr lang="en-US" sz="2400" b="1" dirty="0" smtClean="0">
